--- a/docs/apresentacao.pptx
+++ b/docs/apresentacao.pptx
@@ -111,6 +111,11 @@
       </a:defRPr>
     </a:lvl9pPr>
   </p:defaultTextStyle>
+  <p:extLst>
+    <p:ext uri="{EFAFB233-063F-42B5-8137-9DF3F51BA10A}">
+      <p15:sldGuideLst xmlns:p15="http://schemas.microsoft.com/office/powerpoint/2012/main"/>
+    </p:ext>
+  </p:extLst>
 </p:presentation>
 </file>
 
@@ -4838,7 +4843,161 @@
           <a:bodyPr/>
           <a:lstStyle/>
           <a:p>
+            <a:r>
+              <a:rPr lang="pt-PT" dirty="0"/>
+              <a:t>Champions </a:t>
+            </a:r>
+            <a:r>
+              <a:rPr lang="pt-PT" dirty="0" err="1"/>
+              <a:t>with</a:t>
+            </a:r>
+            <a:r>
+              <a:rPr lang="pt-PT" dirty="0"/>
+              <a:t> </a:t>
+            </a:r>
+            <a:r>
+              <a:rPr lang="pt-PT" dirty="0" err="1"/>
+              <a:t>the</a:t>
+            </a:r>
+            <a:r>
+              <a:rPr lang="pt-PT" dirty="0"/>
+              <a:t> </a:t>
+            </a:r>
+            <a:r>
+              <a:rPr lang="pt-PT" dirty="0" err="1"/>
+              <a:t>most</a:t>
+            </a:r>
+            <a:r>
+              <a:rPr lang="pt-PT" dirty="0"/>
+              <a:t> base </a:t>
+            </a:r>
+            <a:r>
+              <a:rPr lang="pt-PT" dirty="0" err="1"/>
+              <a:t>stats</a:t>
+            </a:r>
             <a:endParaRPr lang="pt-PT" dirty="0"/>
+          </a:p>
+          <a:p>
+            <a:r>
+              <a:rPr lang="pt-PT" dirty="0" err="1"/>
+              <a:t>Items</a:t>
+            </a:r>
+            <a:r>
+              <a:rPr lang="pt-PT" dirty="0"/>
+              <a:t> </a:t>
+            </a:r>
+            <a:r>
+              <a:rPr lang="pt-PT" dirty="0" err="1"/>
+              <a:t>with</a:t>
+            </a:r>
+            <a:r>
+              <a:rPr lang="pt-PT" dirty="0"/>
+              <a:t> </a:t>
+            </a:r>
+            <a:r>
+              <a:rPr lang="pt-PT" dirty="0" err="1"/>
+              <a:t>the</a:t>
+            </a:r>
+            <a:r>
+              <a:rPr lang="pt-PT" dirty="0"/>
+              <a:t> </a:t>
+            </a:r>
+            <a:r>
+              <a:rPr lang="pt-PT" dirty="0" err="1"/>
+              <a:t>most</a:t>
+            </a:r>
+            <a:r>
+              <a:rPr lang="pt-PT" dirty="0"/>
+              <a:t> </a:t>
+            </a:r>
+            <a:r>
+              <a:rPr lang="pt-PT" dirty="0" err="1"/>
+              <a:t>tags</a:t>
+            </a:r>
+            <a:endParaRPr lang="pt-PT" dirty="0"/>
+          </a:p>
+          <a:p>
+            <a:r>
+              <a:rPr lang="pt-PT" dirty="0"/>
+              <a:t>Champions </a:t>
+            </a:r>
+            <a:r>
+              <a:rPr lang="pt-PT" dirty="0" err="1"/>
+              <a:t>with</a:t>
+            </a:r>
+            <a:r>
+              <a:rPr lang="pt-PT" dirty="0"/>
+              <a:t> </a:t>
+            </a:r>
+            <a:r>
+              <a:rPr lang="pt-PT" dirty="0" err="1"/>
+              <a:t>the</a:t>
+            </a:r>
+            <a:r>
+              <a:rPr lang="pt-PT" dirty="0"/>
+              <a:t> </a:t>
+            </a:r>
+            <a:r>
+              <a:rPr lang="pt-PT" dirty="0" err="1"/>
+              <a:t>most</a:t>
+            </a:r>
+            <a:r>
+              <a:rPr lang="pt-PT" dirty="0"/>
+              <a:t> skins</a:t>
+            </a:r>
+          </a:p>
+          <a:p>
+            <a:r>
+              <a:rPr lang="pt-PT" dirty="0" err="1"/>
+              <a:t>Other</a:t>
+            </a:r>
+            <a:r>
+              <a:rPr lang="pt-PT" dirty="0"/>
+              <a:t> Champions </a:t>
+            </a:r>
+            <a:r>
+              <a:rPr lang="pt-PT" dirty="0" err="1"/>
+              <a:t>apearences</a:t>
+            </a:r>
+            <a:r>
+              <a:rPr lang="pt-PT" dirty="0"/>
+              <a:t> in </a:t>
+            </a:r>
+            <a:r>
+              <a:rPr lang="pt-PT" u="sng" dirty="0"/>
+              <a:t>C</a:t>
+            </a:r>
+            <a:r>
+              <a:rPr lang="pt-PT" u="sng"/>
+              <a:t>hampion</a:t>
+            </a:r>
+            <a:r>
+              <a:rPr lang="pt-PT" dirty="0"/>
+              <a:t> </a:t>
+            </a:r>
+            <a:r>
+              <a:rPr lang="pt-PT" dirty="0" err="1"/>
+              <a:t>lore</a:t>
+            </a:r>
+            <a:endParaRPr lang="pt-PT" dirty="0"/>
+          </a:p>
+          <a:p>
+            <a:r>
+              <a:rPr lang="pt-PT" dirty="0" err="1"/>
+              <a:t>Most</a:t>
+            </a:r>
+            <a:r>
+              <a:rPr lang="pt-PT" dirty="0"/>
+              <a:t> </a:t>
+            </a:r>
+            <a:r>
+              <a:rPr lang="pt-PT" dirty="0" err="1"/>
+              <a:t>dificult</a:t>
+            </a:r>
+            <a:r>
+              <a:rPr lang="pt-PT" dirty="0"/>
+              <a:t> Champions to play</a:t>
+            </a:r>
           </a:p>
         </p:txBody>
       </p:sp>

--- a/docs/apresentacao.pptx
+++ b/docs/apresentacao.pptx
@@ -6,7 +6,7 @@
   </p:sldMasterIdLst>
   <p:sldIdLst>
     <p:sldId id="256" r:id="rId2"/>
-    <p:sldId id="257" r:id="rId3"/>
+    <p:sldId id="264" r:id="rId3"/>
     <p:sldId id="258" r:id="rId4"/>
     <p:sldId id="259" r:id="rId5"/>
     <p:sldId id="260" r:id="rId6"/>
@@ -310,7 +310,7 @@
           <a:p>
             <a:fld id="{6D22F896-40B5-4ADD-8801-0D06FADFA095}" type="slidenum">
               <a:rPr lang="en-US" dirty="0"/>
-              <a:t>‹nº›</a:t>
+              <a:t>‹#›</a:t>
             </a:fld>
             <a:endParaRPr lang="en-US" dirty="0"/>
           </a:p>
@@ -515,7 +515,7 @@
           <a:p>
             <a:fld id="{6D22F896-40B5-4ADD-8801-0D06FADFA095}" type="slidenum">
               <a:rPr lang="en-US" dirty="0"/>
-              <a:t>‹nº›</a:t>
+              <a:t>‹#›</a:t>
             </a:fld>
             <a:endParaRPr lang="en-US" dirty="0"/>
           </a:p>
@@ -734,7 +734,7 @@
           <a:p>
             <a:fld id="{6D22F896-40B5-4ADD-8801-0D06FADFA095}" type="slidenum">
               <a:rPr lang="en-US" dirty="0"/>
-              <a:t>‹nº›</a:t>
+              <a:t>‹#›</a:t>
             </a:fld>
             <a:endParaRPr lang="en-US" dirty="0"/>
           </a:p>
@@ -948,7 +948,7 @@
           <a:p>
             <a:fld id="{6D22F896-40B5-4ADD-8801-0D06FADFA095}" type="slidenum">
               <a:rPr lang="en-US" dirty="0"/>
-              <a:t>‹nº›</a:t>
+              <a:t>‹#›</a:t>
             </a:fld>
             <a:endParaRPr lang="en-US" dirty="0"/>
           </a:p>
@@ -1231,7 +1231,7 @@
           <a:p>
             <a:fld id="{6D22F896-40B5-4ADD-8801-0D06FADFA095}" type="slidenum">
               <a:rPr lang="en-US" dirty="0"/>
-              <a:t>‹nº›</a:t>
+              <a:t>‹#›</a:t>
             </a:fld>
             <a:endParaRPr lang="en-US" dirty="0"/>
           </a:p>
@@ -1503,7 +1503,7 @@
           <a:p>
             <a:fld id="{6D22F896-40B5-4ADD-8801-0D06FADFA095}" type="slidenum">
               <a:rPr lang="en-US" dirty="0"/>
-              <a:t>‹nº›</a:t>
+              <a:t>‹#›</a:t>
             </a:fld>
             <a:endParaRPr lang="en-US" dirty="0"/>
           </a:p>
@@ -1923,7 +1923,7 @@
           <a:p>
             <a:fld id="{6D22F896-40B5-4ADD-8801-0D06FADFA095}" type="slidenum">
               <a:rPr lang="en-US" dirty="0"/>
-              <a:t>‹nº›</a:t>
+              <a:t>‹#›</a:t>
             </a:fld>
             <a:endParaRPr lang="en-US" dirty="0"/>
           </a:p>
@@ -2076,7 +2076,7 @@
           <a:p>
             <a:fld id="{6D22F896-40B5-4ADD-8801-0D06FADFA095}" type="slidenum">
               <a:rPr lang="en-US" dirty="0"/>
-              <a:t>‹nº›</a:t>
+              <a:t>‹#›</a:t>
             </a:fld>
             <a:endParaRPr lang="en-US" dirty="0"/>
           </a:p>
@@ -2206,7 +2206,7 @@
           <a:p>
             <a:fld id="{6D22F896-40B5-4ADD-8801-0D06FADFA095}" type="slidenum">
               <a:rPr lang="en-US" dirty="0"/>
-              <a:t>‹nº›</a:t>
+              <a:t>‹#›</a:t>
             </a:fld>
             <a:endParaRPr lang="en-US" dirty="0"/>
           </a:p>
@@ -2452,7 +2452,7 @@
           <a:p>
             <a:fld id="{6D22F896-40B5-4ADD-8801-0D06FADFA095}" type="slidenum">
               <a:rPr lang="en-US" dirty="0"/>
-              <a:t>‹nº›</a:t>
+              <a:t>‹#›</a:t>
             </a:fld>
             <a:endParaRPr lang="en-US" dirty="0"/>
           </a:p>
@@ -2918,7 +2918,7 @@
           <a:p>
             <a:fld id="{6D22F896-40B5-4ADD-8801-0D06FADFA095}" type="slidenum">
               <a:rPr lang="en-US" dirty="0"/>
-              <a:t>‹nº›</a:t>
+              <a:t>‹#›</a:t>
             </a:fld>
             <a:endParaRPr lang="en-US" dirty="0"/>
           </a:p>
@@ -3321,7 +3321,7 @@
             <a:fld id="{6D22F896-40B5-4ADD-8801-0D06FADFA095}" type="slidenum">
               <a:rPr lang="en-US" dirty="0"/>
               <a:pPr/>
-              <a:t>‹nº›</a:t>
+              <a:t>‹#›</a:t>
             </a:fld>
             <a:endParaRPr lang="en-US" dirty="0"/>
           </a:p>
@@ -3898,145 +3898,43 @@
         </p:spPr>
         <p:txBody>
           <a:bodyPr>
-            <a:normAutofit fontScale="92500" lnSpcReduction="10000"/>
+            <a:normAutofit/>
           </a:bodyPr>
           <a:lstStyle/>
           <a:p>
             <a:r>
               <a:rPr lang="en-US" dirty="0"/>
-              <a:t>Our data is composed by the primary aspects of the game League of Legends, champions (different playable characters in the game, each being unique) and items.</a:t>
-            </a:r>
+              <a:t>Official Riot Games dataset</a:t>
+            </a:r>
+          </a:p>
+          <a:p>
+            <a:endParaRPr lang="en-US" dirty="0"/>
           </a:p>
           <a:p>
             <a:r>
               <a:rPr lang="en-US" dirty="0"/>
-              <a:t>We gathered and compiled information from two sources, being the first the official dataset provided by the company that develops the game (Riot Games) , and the second an unofficial website made by fans of the game, although we consider that all the information there can be seen as credible since it is constantly reviewed by the whole community of that website and is usually always up to date.</a:t>
-            </a:r>
+              <a:t>League of Legends champions and items</a:t>
+            </a:r>
+          </a:p>
+          <a:p>
+            <a:pPr marL="0" indent="0">
+              <a:buNone/>
+            </a:pPr>
+            <a:endParaRPr lang="en-US" dirty="0"/>
           </a:p>
           <a:p>
             <a:r>
               <a:rPr lang="en-US" dirty="0"/>
-              <a:t>Most data comes from the dataset provided by Riot but we realized the lore in that data set was a </a:t>
-            </a:r>
-            <a:r>
-              <a:rPr lang="pt-PT" dirty="0" err="1"/>
-              <a:t>summary</a:t>
-            </a:r>
-            <a:r>
-              <a:rPr lang="pt-PT" dirty="0"/>
-              <a:t> </a:t>
-            </a:r>
-            <a:r>
-              <a:rPr lang="pt-PT" dirty="0" err="1"/>
-              <a:t>of</a:t>
-            </a:r>
-            <a:r>
-              <a:rPr lang="pt-PT" dirty="0"/>
-              <a:t> </a:t>
-            </a:r>
-            <a:r>
-              <a:rPr lang="pt-PT" dirty="0" err="1"/>
-              <a:t>the</a:t>
-            </a:r>
-            <a:r>
-              <a:rPr lang="pt-PT" dirty="0"/>
-              <a:t> </a:t>
-            </a:r>
-            <a:r>
-              <a:rPr lang="pt-PT" dirty="0" err="1"/>
-              <a:t>lore</a:t>
-            </a:r>
-            <a:r>
-              <a:rPr lang="pt-PT" dirty="0"/>
-              <a:t> </a:t>
-            </a:r>
-            <a:r>
-              <a:rPr lang="pt-PT" dirty="0" err="1"/>
-              <a:t>so</a:t>
-            </a:r>
-            <a:r>
-              <a:rPr lang="pt-PT" dirty="0"/>
-              <a:t> </a:t>
-            </a:r>
-            <a:r>
-              <a:rPr lang="pt-PT" dirty="0" err="1"/>
-              <a:t>we</a:t>
-            </a:r>
-            <a:r>
-              <a:rPr lang="pt-PT" dirty="0"/>
-              <a:t> </a:t>
-            </a:r>
-            <a:r>
-              <a:rPr lang="pt-PT" dirty="0" err="1"/>
-              <a:t>replaced</a:t>
-            </a:r>
-            <a:r>
-              <a:rPr lang="pt-PT" dirty="0"/>
-              <a:t> </a:t>
-            </a:r>
-            <a:r>
-              <a:rPr lang="pt-PT" dirty="0" err="1"/>
-              <a:t>it</a:t>
-            </a:r>
-            <a:r>
-              <a:rPr lang="pt-PT" dirty="0"/>
-              <a:t> </a:t>
-            </a:r>
-            <a:r>
-              <a:rPr lang="pt-PT" dirty="0" err="1"/>
-              <a:t>with</a:t>
-            </a:r>
-            <a:r>
-              <a:rPr lang="pt-PT" dirty="0"/>
-              <a:t> </a:t>
-            </a:r>
-            <a:r>
-              <a:rPr lang="pt-PT" dirty="0" err="1"/>
-              <a:t>the</a:t>
-            </a:r>
-            <a:r>
-              <a:rPr lang="pt-PT" dirty="0"/>
-              <a:t> complete </a:t>
-            </a:r>
-            <a:r>
-              <a:rPr lang="pt-PT" dirty="0" err="1"/>
-              <a:t>lore</a:t>
-            </a:r>
-            <a:r>
-              <a:rPr lang="pt-PT" dirty="0"/>
-              <a:t> </a:t>
-            </a:r>
-            <a:r>
-              <a:rPr lang="pt-PT" dirty="0" err="1"/>
-              <a:t>from</a:t>
-            </a:r>
-            <a:r>
-              <a:rPr lang="pt-PT" dirty="0"/>
-              <a:t> </a:t>
-            </a:r>
-            <a:r>
-              <a:rPr lang="pt-PT" dirty="0" err="1"/>
-              <a:t>the</a:t>
-            </a:r>
-            <a:r>
-              <a:rPr lang="pt-PT" dirty="0"/>
-              <a:t> </a:t>
-            </a:r>
-            <a:r>
-              <a:rPr lang="pt-PT" dirty="0" err="1"/>
-              <a:t>second</a:t>
-            </a:r>
-            <a:r>
-              <a:rPr lang="pt-PT" dirty="0"/>
-              <a:t> </a:t>
-            </a:r>
-            <a:r>
-              <a:rPr lang="pt-PT" dirty="0" err="1"/>
-              <a:t>source</a:t>
-            </a:r>
-            <a:r>
-              <a:rPr lang="pt-PT" dirty="0"/>
-              <a:t>.</a:t>
+              <a:t>League of Legends fan created dataset</a:t>
+            </a:r>
+          </a:p>
+          <a:p>
+            <a:endParaRPr lang="en-US" dirty="0"/>
+          </a:p>
+          <a:p>
+            <a:r>
+              <a:rPr lang="en-GB" dirty="0"/>
+              <a:t>Champion Lore</a:t>
             </a:r>
             <a:endParaRPr lang="en-US" dirty="0"/>
           </a:p>
@@ -4048,7 +3946,7 @@
     </p:spTree>
     <p:extLst>
       <p:ext uri="{BB962C8B-B14F-4D97-AF65-F5344CB8AC3E}">
-        <p14:creationId xmlns:p14="http://schemas.microsoft.com/office/powerpoint/2010/main" val="3038711243"/>
+        <p14:creationId xmlns:p14="http://schemas.microsoft.com/office/powerpoint/2010/main" val="2980134559"/>
       </p:ext>
     </p:extLst>
   </p:cSld>

--- a/docs/apresentacao.pptx
+++ b/docs/apresentacao.pptx
@@ -3925,7 +3925,7 @@
           <a:p>
             <a:r>
               <a:rPr lang="en-US" dirty="0"/>
-              <a:t>League of Legends fan created dataset</a:t>
+              <a:t>League of Legends fan created website</a:t>
             </a:r>
           </a:p>
           <a:p>
@@ -3934,7 +3934,7 @@
           <a:p>
             <a:r>
               <a:rPr lang="en-GB" dirty="0"/>
-              <a:t>Champion Lore</a:t>
+              <a:t>Champion Lore by scrapping</a:t>
             </a:r>
             <a:endParaRPr lang="en-US" dirty="0"/>
           </a:p>
@@ -4373,8 +4373,8 @@
         </p:blipFill>
         <p:spPr>
           <a:xfrm>
-            <a:off x="6413507" y="1644546"/>
-            <a:ext cx="5396641" cy="4821075"/>
+            <a:off x="6413507" y="1507810"/>
+            <a:ext cx="5396641" cy="4602433"/>
           </a:xfrm>
           <a:prstGeom prst="rect">
             <a:avLst/>

--- a/docs/apresentacao.pptx
+++ b/docs/apresentacao.pptx
@@ -310,7 +310,7 @@
           <a:p>
             <a:fld id="{6D22F896-40B5-4ADD-8801-0D06FADFA095}" type="slidenum">
               <a:rPr lang="en-US" dirty="0"/>
-              <a:t>‹#›</a:t>
+              <a:t>‹nº›</a:t>
             </a:fld>
             <a:endParaRPr lang="en-US" dirty="0"/>
           </a:p>
@@ -515,7 +515,7 @@
           <a:p>
             <a:fld id="{6D22F896-40B5-4ADD-8801-0D06FADFA095}" type="slidenum">
               <a:rPr lang="en-US" dirty="0"/>
-              <a:t>‹#›</a:t>
+              <a:t>‹nº›</a:t>
             </a:fld>
             <a:endParaRPr lang="en-US" dirty="0"/>
           </a:p>
@@ -734,7 +734,7 @@
           <a:p>
             <a:fld id="{6D22F896-40B5-4ADD-8801-0D06FADFA095}" type="slidenum">
               <a:rPr lang="en-US" dirty="0"/>
-              <a:t>‹#›</a:t>
+              <a:t>‹nº›</a:t>
             </a:fld>
             <a:endParaRPr lang="en-US" dirty="0"/>
           </a:p>
@@ -948,7 +948,7 @@
           <a:p>
             <a:fld id="{6D22F896-40B5-4ADD-8801-0D06FADFA095}" type="slidenum">
               <a:rPr lang="en-US" dirty="0"/>
-              <a:t>‹#›</a:t>
+              <a:t>‹nº›</a:t>
             </a:fld>
             <a:endParaRPr lang="en-US" dirty="0"/>
           </a:p>
@@ -1231,7 +1231,7 @@
           <a:p>
             <a:fld id="{6D22F896-40B5-4ADD-8801-0D06FADFA095}" type="slidenum">
               <a:rPr lang="en-US" dirty="0"/>
-              <a:t>‹#›</a:t>
+              <a:t>‹nº›</a:t>
             </a:fld>
             <a:endParaRPr lang="en-US" dirty="0"/>
           </a:p>
@@ -1503,7 +1503,7 @@
           <a:p>
             <a:fld id="{6D22F896-40B5-4ADD-8801-0D06FADFA095}" type="slidenum">
               <a:rPr lang="en-US" dirty="0"/>
-              <a:t>‹#›</a:t>
+              <a:t>‹nº›</a:t>
             </a:fld>
             <a:endParaRPr lang="en-US" dirty="0"/>
           </a:p>
@@ -1923,7 +1923,7 @@
           <a:p>
             <a:fld id="{6D22F896-40B5-4ADD-8801-0D06FADFA095}" type="slidenum">
               <a:rPr lang="en-US" dirty="0"/>
-              <a:t>‹#›</a:t>
+              <a:t>‹nº›</a:t>
             </a:fld>
             <a:endParaRPr lang="en-US" dirty="0"/>
           </a:p>
@@ -2076,7 +2076,7 @@
           <a:p>
             <a:fld id="{6D22F896-40B5-4ADD-8801-0D06FADFA095}" type="slidenum">
               <a:rPr lang="en-US" dirty="0"/>
-              <a:t>‹#›</a:t>
+              <a:t>‹nº›</a:t>
             </a:fld>
             <a:endParaRPr lang="en-US" dirty="0"/>
           </a:p>
@@ -2206,7 +2206,7 @@
           <a:p>
             <a:fld id="{6D22F896-40B5-4ADD-8801-0D06FADFA095}" type="slidenum">
               <a:rPr lang="en-US" dirty="0"/>
-              <a:t>‹#›</a:t>
+              <a:t>‹nº›</a:t>
             </a:fld>
             <a:endParaRPr lang="en-US" dirty="0"/>
           </a:p>
@@ -2452,7 +2452,7 @@
           <a:p>
             <a:fld id="{6D22F896-40B5-4ADD-8801-0D06FADFA095}" type="slidenum">
               <a:rPr lang="en-US" dirty="0"/>
-              <a:t>‹#›</a:t>
+              <a:t>‹nº›</a:t>
             </a:fld>
             <a:endParaRPr lang="en-US" dirty="0"/>
           </a:p>
@@ -2918,7 +2918,7 @@
           <a:p>
             <a:fld id="{6D22F896-40B5-4ADD-8801-0D06FADFA095}" type="slidenum">
               <a:rPr lang="en-US" dirty="0"/>
-              <a:t>‹#›</a:t>
+              <a:t>‹nº›</a:t>
             </a:fld>
             <a:endParaRPr lang="en-US" dirty="0"/>
           </a:p>
@@ -3321,7 +3321,7 @@
             <a:fld id="{6D22F896-40B5-4ADD-8801-0D06FADFA095}" type="slidenum">
               <a:rPr lang="en-US" dirty="0"/>
               <a:pPr/>
-              <a:t>‹#›</a:t>
+              <a:t>‹nº›</a:t>
             </a:fld>
             <a:endParaRPr lang="en-US" dirty="0"/>
           </a:p>
@@ -4104,19 +4104,155 @@
             <p:ph idx="1"/>
           </p:nvPr>
         </p:nvPicPr>
-        <p:blipFill>
+        <p:blipFill rotWithShape="1">
           <a:blip r:embed="rId2"/>
-          <a:stretch>
-            <a:fillRect/>
-          </a:stretch>
+          <a:srcRect l="45589"/>
+          <a:stretch/>
         </p:blipFill>
         <p:spPr>
           <a:xfrm>
-            <a:off x="3016512" y="1065817"/>
-            <a:ext cx="8535353" cy="5021428"/>
+            <a:off x="6907696" y="1065817"/>
+            <a:ext cx="4644169" cy="5021428"/>
           </a:xfrm>
         </p:spPr>
       </p:pic>
+      <p:pic>
+        <p:nvPicPr>
+          <p:cNvPr id="4" name="Imagem 3">
+            <a:extLst>
+              <a:ext uri="{FF2B5EF4-FFF2-40B4-BE49-F238E27FC236}">
+                <a16:creationId xmlns:a16="http://schemas.microsoft.com/office/drawing/2014/main" id="{C76BE172-7D6F-4078-99FC-9DB342E0C0B7}"/>
+              </a:ext>
+            </a:extLst>
+          </p:cNvPr>
+          <p:cNvPicPr>
+            <a:picLocks noChangeAspect="1"/>
+          </p:cNvPicPr>
+          <p:nvPr/>
+        </p:nvPicPr>
+        <p:blipFill rotWithShape="1">
+          <a:blip r:embed="rId3"/>
+          <a:srcRect b="24280"/>
+          <a:stretch/>
+        </p:blipFill>
+        <p:spPr>
+          <a:xfrm>
+            <a:off x="3249379" y="894380"/>
+            <a:ext cx="4262006" cy="5192865"/>
+          </a:xfrm>
+          <a:prstGeom prst="rect">
+            <a:avLst/>
+          </a:prstGeom>
+        </p:spPr>
+      </p:pic>
+      <p:sp>
+        <p:nvSpPr>
+          <p:cNvPr id="5" name="Retângulo 4">
+            <a:extLst>
+              <a:ext uri="{FF2B5EF4-FFF2-40B4-BE49-F238E27FC236}">
+                <a16:creationId xmlns:a16="http://schemas.microsoft.com/office/drawing/2014/main" id="{FB898B78-F803-4A0B-AE39-551EDF185534}"/>
+              </a:ext>
+            </a:extLst>
+          </p:cNvPr>
+          <p:cNvSpPr/>
+          <p:nvPr/>
+        </p:nvSpPr>
+        <p:spPr>
+          <a:xfrm>
+            <a:off x="4939748" y="5283200"/>
+            <a:ext cx="1302026" cy="804044"/>
+          </a:xfrm>
+          <a:prstGeom prst="rect">
+            <a:avLst/>
+          </a:prstGeom>
+          <a:solidFill>
+            <a:schemeClr val="bg1"/>
+          </a:solidFill>
+          <a:ln>
+            <a:solidFill>
+              <a:schemeClr val="bg1"/>
+            </a:solidFill>
+          </a:ln>
+        </p:spPr>
+        <p:style>
+          <a:lnRef idx="2">
+            <a:schemeClr val="accent1">
+              <a:shade val="50000"/>
+            </a:schemeClr>
+          </a:lnRef>
+          <a:fillRef idx="1">
+            <a:schemeClr val="accent1"/>
+          </a:fillRef>
+          <a:effectRef idx="0">
+            <a:schemeClr val="accent1"/>
+          </a:effectRef>
+          <a:fontRef idx="minor">
+            <a:schemeClr val="lt1"/>
+          </a:fontRef>
+        </p:style>
+        <p:txBody>
+          <a:bodyPr rtlCol="0" anchor="ctr"/>
+          <a:lstStyle/>
+          <a:p>
+            <a:pPr algn="ctr"/>
+            <a:endParaRPr lang="pt-PT"/>
+          </a:p>
+        </p:txBody>
+      </p:sp>
+      <p:sp>
+        <p:nvSpPr>
+          <p:cNvPr id="7" name="Retângulo 6">
+            <a:extLst>
+              <a:ext uri="{FF2B5EF4-FFF2-40B4-BE49-F238E27FC236}">
+                <a16:creationId xmlns:a16="http://schemas.microsoft.com/office/drawing/2014/main" id="{C92106B5-C410-4BA3-9937-D86CC66C54BA}"/>
+              </a:ext>
+            </a:extLst>
+          </p:cNvPr>
+          <p:cNvSpPr/>
+          <p:nvPr/>
+        </p:nvSpPr>
+        <p:spPr>
+          <a:xfrm>
+            <a:off x="6096000" y="5592762"/>
+            <a:ext cx="1302026" cy="494481"/>
+          </a:xfrm>
+          <a:prstGeom prst="rect">
+            <a:avLst/>
+          </a:prstGeom>
+          <a:solidFill>
+            <a:schemeClr val="bg1"/>
+          </a:solidFill>
+          <a:ln>
+            <a:solidFill>
+              <a:schemeClr val="bg1"/>
+            </a:solidFill>
+          </a:ln>
+        </p:spPr>
+        <p:style>
+          <a:lnRef idx="2">
+            <a:schemeClr val="accent1">
+              <a:shade val="50000"/>
+            </a:schemeClr>
+          </a:lnRef>
+          <a:fillRef idx="1">
+            <a:schemeClr val="accent1"/>
+          </a:fillRef>
+          <a:effectRef idx="0">
+            <a:schemeClr val="accent1"/>
+          </a:effectRef>
+          <a:fontRef idx="minor">
+            <a:schemeClr val="lt1"/>
+          </a:fontRef>
+        </p:style>
+        <p:txBody>
+          <a:bodyPr rtlCol="0" anchor="ctr"/>
+          <a:lstStyle/>
+          <a:p>
+            <a:pPr algn="ctr"/>
+            <a:endParaRPr lang="pt-PT"/>
+          </a:p>
+        </p:txBody>
+      </p:sp>
     </p:spTree>
     <p:extLst>
       <p:ext uri="{BB962C8B-B14F-4D97-AF65-F5344CB8AC3E}">
